--- a/assignment/정재호_모의해킹결과보고서_평가과제/image.pptx
+++ b/assignment/정재호_모의해킹결과보고서_평가과제/image.pptx
@@ -9,6 +9,9 @@
     <p:sldId id="257" r:id="rId3"/>
     <p:sldId id="258" r:id="rId4"/>
     <p:sldId id="259" r:id="rId5"/>
+    <p:sldId id="260" r:id="rId6"/>
+    <p:sldId id="261" r:id="rId7"/>
+    <p:sldId id="262" r:id="rId8"/>
   </p:sldIdLst>
   <p:sldSz cx="12192000" cy="6858000"/>
   <p:notesSz cx="6858000" cy="9144000"/>
@@ -107,6 +110,11 @@
       </a:defRPr>
     </a:lvl9pPr>
   </p:defaultTextStyle>
+  <p:extLst>
+    <p:ext uri="{EFAFB233-063F-42B5-8137-9DF3F51BA10A}">
+      <p15:sldGuideLst xmlns:p15="http://schemas.microsoft.com/office/powerpoint/2012/main"/>
+    </p:ext>
+  </p:extLst>
 </p:presentation>
 </file>
 
@@ -257,7 +265,7 @@
           <a:p>
             <a:fld id="{87F9D020-FE9E-41B3-8098-521C506274AA}" type="datetimeFigureOut">
               <a:rPr lang="ko-KR" altLang="en-US" smtClean="0"/>
-              <a:t>2024-11-05</a:t>
+              <a:t>2024-11-06</a:t>
             </a:fld>
             <a:endParaRPr lang="ko-KR" altLang="en-US"/>
           </a:p>
@@ -455,7 +463,7 @@
           <a:p>
             <a:fld id="{87F9D020-FE9E-41B3-8098-521C506274AA}" type="datetimeFigureOut">
               <a:rPr lang="ko-KR" altLang="en-US" smtClean="0"/>
-              <a:t>2024-11-05</a:t>
+              <a:t>2024-11-06</a:t>
             </a:fld>
             <a:endParaRPr lang="ko-KR" altLang="en-US"/>
           </a:p>
@@ -663,7 +671,7 @@
           <a:p>
             <a:fld id="{87F9D020-FE9E-41B3-8098-521C506274AA}" type="datetimeFigureOut">
               <a:rPr lang="ko-KR" altLang="en-US" smtClean="0"/>
-              <a:t>2024-11-05</a:t>
+              <a:t>2024-11-06</a:t>
             </a:fld>
             <a:endParaRPr lang="ko-KR" altLang="en-US"/>
           </a:p>
@@ -861,7 +869,7 @@
           <a:p>
             <a:fld id="{87F9D020-FE9E-41B3-8098-521C506274AA}" type="datetimeFigureOut">
               <a:rPr lang="ko-KR" altLang="en-US" smtClean="0"/>
-              <a:t>2024-11-05</a:t>
+              <a:t>2024-11-06</a:t>
             </a:fld>
             <a:endParaRPr lang="ko-KR" altLang="en-US"/>
           </a:p>
@@ -1136,7 +1144,7 @@
           <a:p>
             <a:fld id="{87F9D020-FE9E-41B3-8098-521C506274AA}" type="datetimeFigureOut">
               <a:rPr lang="ko-KR" altLang="en-US" smtClean="0"/>
-              <a:t>2024-11-05</a:t>
+              <a:t>2024-11-06</a:t>
             </a:fld>
             <a:endParaRPr lang="ko-KR" altLang="en-US"/>
           </a:p>
@@ -1401,7 +1409,7 @@
           <a:p>
             <a:fld id="{87F9D020-FE9E-41B3-8098-521C506274AA}" type="datetimeFigureOut">
               <a:rPr lang="ko-KR" altLang="en-US" smtClean="0"/>
-              <a:t>2024-11-05</a:t>
+              <a:t>2024-11-06</a:t>
             </a:fld>
             <a:endParaRPr lang="ko-KR" altLang="en-US"/>
           </a:p>
@@ -1813,7 +1821,7 @@
           <a:p>
             <a:fld id="{87F9D020-FE9E-41B3-8098-521C506274AA}" type="datetimeFigureOut">
               <a:rPr lang="ko-KR" altLang="en-US" smtClean="0"/>
-              <a:t>2024-11-05</a:t>
+              <a:t>2024-11-06</a:t>
             </a:fld>
             <a:endParaRPr lang="ko-KR" altLang="en-US"/>
           </a:p>
@@ -1954,7 +1962,7 @@
           <a:p>
             <a:fld id="{87F9D020-FE9E-41B3-8098-521C506274AA}" type="datetimeFigureOut">
               <a:rPr lang="ko-KR" altLang="en-US" smtClean="0"/>
-              <a:t>2024-11-05</a:t>
+              <a:t>2024-11-06</a:t>
             </a:fld>
             <a:endParaRPr lang="ko-KR" altLang="en-US"/>
           </a:p>
@@ -2067,7 +2075,7 @@
           <a:p>
             <a:fld id="{87F9D020-FE9E-41B3-8098-521C506274AA}" type="datetimeFigureOut">
               <a:rPr lang="ko-KR" altLang="en-US" smtClean="0"/>
-              <a:t>2024-11-05</a:t>
+              <a:t>2024-11-06</a:t>
             </a:fld>
             <a:endParaRPr lang="ko-KR" altLang="en-US"/>
           </a:p>
@@ -2378,7 +2386,7 @@
           <a:p>
             <a:fld id="{87F9D020-FE9E-41B3-8098-521C506274AA}" type="datetimeFigureOut">
               <a:rPr lang="ko-KR" altLang="en-US" smtClean="0"/>
-              <a:t>2024-11-05</a:t>
+              <a:t>2024-11-06</a:t>
             </a:fld>
             <a:endParaRPr lang="ko-KR" altLang="en-US"/>
           </a:p>
@@ -2666,7 +2674,7 @@
           <a:p>
             <a:fld id="{87F9D020-FE9E-41B3-8098-521C506274AA}" type="datetimeFigureOut">
               <a:rPr lang="ko-KR" altLang="en-US" smtClean="0"/>
-              <a:t>2024-11-05</a:t>
+              <a:t>2024-11-06</a:t>
             </a:fld>
             <a:endParaRPr lang="ko-KR" altLang="en-US"/>
           </a:p>
@@ -2907,7 +2915,7 @@
           <a:p>
             <a:fld id="{87F9D020-FE9E-41B3-8098-521C506274AA}" type="datetimeFigureOut">
               <a:rPr lang="ko-KR" altLang="en-US" smtClean="0"/>
-              <a:t>2024-11-05</a:t>
+              <a:t>2024-11-06</a:t>
             </a:fld>
             <a:endParaRPr lang="ko-KR" altLang="en-US"/>
           </a:p>
@@ -4058,6 +4066,389 @@
 </p:sld>
 </file>
 
+<file path=ppt/slides/slide5.xml><?xml version="1.0" encoding="utf-8"?>
+<p:sld xmlns:a="http://schemas.openxmlformats.org/drawingml/2006/main" xmlns:r="http://schemas.openxmlformats.org/officeDocument/2006/relationships" xmlns:p="http://schemas.openxmlformats.org/presentationml/2006/main">
+  <p:cSld>
+    <p:spTree>
+      <p:nvGrpSpPr>
+        <p:cNvPr id="1" name=""/>
+        <p:cNvGrpSpPr/>
+        <p:nvPr/>
+      </p:nvGrpSpPr>
+      <p:grpSpPr>
+        <a:xfrm>
+          <a:off x="0" y="0"/>
+          <a:ext cx="0" cy="0"/>
+          <a:chOff x="0" y="0"/>
+          <a:chExt cx="0" cy="0"/>
+        </a:xfrm>
+      </p:grpSpPr>
+      <p:pic>
+        <p:nvPicPr>
+          <p:cNvPr id="5" name="그림 4">
+            <a:extLst>
+              <a:ext uri="{FF2B5EF4-FFF2-40B4-BE49-F238E27FC236}">
+                <a16:creationId xmlns:a16="http://schemas.microsoft.com/office/drawing/2014/main" id="{3F879AA2-9614-46E0-8B01-19A04C87679F}"/>
+              </a:ext>
+            </a:extLst>
+          </p:cNvPr>
+          <p:cNvPicPr>
+            <a:picLocks noChangeAspect="1"/>
+          </p:cNvPicPr>
+          <p:nvPr/>
+        </p:nvPicPr>
+        <p:blipFill>
+          <a:blip r:embed="rId2">
+            <a:duotone>
+              <a:prstClr val="black"/>
+              <a:schemeClr val="tx2">
+                <a:tint val="45000"/>
+                <a:satMod val="400000"/>
+              </a:schemeClr>
+            </a:duotone>
+          </a:blip>
+          <a:stretch>
+            <a:fillRect/>
+          </a:stretch>
+        </p:blipFill>
+        <p:spPr>
+          <a:xfrm>
+            <a:off x="0" y="0"/>
+            <a:ext cx="12192000" cy="6858000"/>
+          </a:xfrm>
+          <a:prstGeom prst="rect">
+            <a:avLst/>
+          </a:prstGeom>
+        </p:spPr>
+      </p:pic>
+      <p:pic>
+        <p:nvPicPr>
+          <p:cNvPr id="6" name="그림 5">
+            <a:extLst>
+              <a:ext uri="{FF2B5EF4-FFF2-40B4-BE49-F238E27FC236}">
+                <a16:creationId xmlns:a16="http://schemas.microsoft.com/office/drawing/2014/main" id="{36BB9338-62EF-416E-B000-901EFE84994C}"/>
+              </a:ext>
+            </a:extLst>
+          </p:cNvPr>
+          <p:cNvPicPr>
+            <a:picLocks noChangeAspect="1"/>
+          </p:cNvPicPr>
+          <p:nvPr/>
+        </p:nvPicPr>
+        <p:blipFill rotWithShape="1">
+          <a:blip r:embed="rId2"/>
+          <a:srcRect l="37143" t="16254" r="37143" b="69347"/>
+          <a:stretch/>
+        </p:blipFill>
+        <p:spPr>
+          <a:xfrm>
+            <a:off x="3801291" y="1036322"/>
+            <a:ext cx="4589417" cy="1445624"/>
+          </a:xfrm>
+          <a:prstGeom prst="rect">
+            <a:avLst/>
+          </a:prstGeom>
+          <a:ln w="28575">
+            <a:solidFill>
+              <a:srgbClr val="FFFFFF"/>
+            </a:solidFill>
+          </a:ln>
+        </p:spPr>
+      </p:pic>
+    </p:spTree>
+    <p:extLst>
+      <p:ext uri="{BB962C8B-B14F-4D97-AF65-F5344CB8AC3E}">
+        <p14:creationId xmlns:p14="http://schemas.microsoft.com/office/powerpoint/2010/main" val="4113916499"/>
+      </p:ext>
+    </p:extLst>
+  </p:cSld>
+  <p:clrMapOvr>
+    <a:masterClrMapping/>
+  </p:clrMapOvr>
+</p:sld>
+</file>
+
+<file path=ppt/slides/slide6.xml><?xml version="1.0" encoding="utf-8"?>
+<p:sld xmlns:a="http://schemas.openxmlformats.org/drawingml/2006/main" xmlns:r="http://schemas.openxmlformats.org/officeDocument/2006/relationships" xmlns:p="http://schemas.openxmlformats.org/presentationml/2006/main">
+  <p:cSld>
+    <p:spTree>
+      <p:nvGrpSpPr>
+        <p:cNvPr id="1" name=""/>
+        <p:cNvGrpSpPr/>
+        <p:nvPr/>
+      </p:nvGrpSpPr>
+      <p:grpSpPr>
+        <a:xfrm>
+          <a:off x="0" y="0"/>
+          <a:ext cx="0" cy="0"/>
+          <a:chOff x="0" y="0"/>
+          <a:chExt cx="0" cy="0"/>
+        </a:xfrm>
+      </p:grpSpPr>
+      <p:pic>
+        <p:nvPicPr>
+          <p:cNvPr id="6" name="그림 5">
+            <a:extLst>
+              <a:ext uri="{FF2B5EF4-FFF2-40B4-BE49-F238E27FC236}">
+                <a16:creationId xmlns:a16="http://schemas.microsoft.com/office/drawing/2014/main" id="{9A6727F2-4709-4368-A753-0BD8F78ADAAB}"/>
+              </a:ext>
+            </a:extLst>
+          </p:cNvPr>
+          <p:cNvPicPr>
+            <a:picLocks noChangeAspect="1"/>
+          </p:cNvPicPr>
+          <p:nvPr/>
+        </p:nvPicPr>
+        <p:blipFill>
+          <a:blip r:embed="rId2"/>
+          <a:stretch>
+            <a:fillRect/>
+          </a:stretch>
+        </p:blipFill>
+        <p:spPr>
+          <a:xfrm>
+            <a:off x="510726" y="1114102"/>
+            <a:ext cx="5144218" cy="4629796"/>
+          </a:xfrm>
+          <a:prstGeom prst="rect">
+            <a:avLst/>
+          </a:prstGeom>
+        </p:spPr>
+      </p:pic>
+      <p:pic>
+        <p:nvPicPr>
+          <p:cNvPr id="7" name="그림 6">
+            <a:extLst>
+              <a:ext uri="{FF2B5EF4-FFF2-40B4-BE49-F238E27FC236}">
+                <a16:creationId xmlns:a16="http://schemas.microsoft.com/office/drawing/2014/main" id="{135A924F-F812-4CD9-BE8B-4B520B40FEB7}"/>
+              </a:ext>
+            </a:extLst>
+          </p:cNvPr>
+          <p:cNvPicPr>
+            <a:picLocks noChangeAspect="1"/>
+          </p:cNvPicPr>
+          <p:nvPr/>
+        </p:nvPicPr>
+        <p:blipFill rotWithShape="1">
+          <a:blip r:embed="rId2"/>
+          <a:srcRect l="4461" t="17130" r="4461" b="69139"/>
+          <a:stretch/>
+        </p:blipFill>
+        <p:spPr>
+          <a:xfrm>
+            <a:off x="-543387" y="1733006"/>
+            <a:ext cx="7252442" cy="984068"/>
+          </a:xfrm>
+          <a:prstGeom prst="rect">
+            <a:avLst/>
+          </a:prstGeom>
+          <a:ln w="28575">
+            <a:solidFill>
+              <a:srgbClr val="FFFFFF"/>
+            </a:solidFill>
+          </a:ln>
+        </p:spPr>
+      </p:pic>
+    </p:spTree>
+    <p:extLst>
+      <p:ext uri="{BB962C8B-B14F-4D97-AF65-F5344CB8AC3E}">
+        <p14:creationId xmlns:p14="http://schemas.microsoft.com/office/powerpoint/2010/main" val="1643151770"/>
+      </p:ext>
+    </p:extLst>
+  </p:cSld>
+  <p:clrMapOvr>
+    <a:masterClrMapping/>
+  </p:clrMapOvr>
+</p:sld>
+</file>
+
+<file path=ppt/slides/slide7.xml><?xml version="1.0" encoding="utf-8"?>
+<p:sld xmlns:a="http://schemas.openxmlformats.org/drawingml/2006/main" xmlns:r="http://schemas.openxmlformats.org/officeDocument/2006/relationships" xmlns:p="http://schemas.openxmlformats.org/presentationml/2006/main">
+  <p:cSld>
+    <p:spTree>
+      <p:nvGrpSpPr>
+        <p:cNvPr id="1" name=""/>
+        <p:cNvGrpSpPr/>
+        <p:nvPr/>
+      </p:nvGrpSpPr>
+      <p:grpSpPr>
+        <a:xfrm>
+          <a:off x="0" y="0"/>
+          <a:ext cx="0" cy="0"/>
+          <a:chOff x="0" y="0"/>
+          <a:chExt cx="0" cy="0"/>
+        </a:xfrm>
+      </p:grpSpPr>
+      <p:pic>
+        <p:nvPicPr>
+          <p:cNvPr id="4" name="그림 3">
+            <a:extLst>
+              <a:ext uri="{FF2B5EF4-FFF2-40B4-BE49-F238E27FC236}">
+                <a16:creationId xmlns:a16="http://schemas.microsoft.com/office/drawing/2014/main" id="{65F2F938-9855-4B3F-A7C1-22625645A84F}"/>
+              </a:ext>
+            </a:extLst>
+          </p:cNvPr>
+          <p:cNvPicPr>
+            <a:picLocks noChangeAspect="1"/>
+          </p:cNvPicPr>
+          <p:nvPr/>
+        </p:nvPicPr>
+        <p:blipFill>
+          <a:blip r:embed="rId2"/>
+          <a:stretch>
+            <a:fillRect/>
+          </a:stretch>
+        </p:blipFill>
+        <p:spPr>
+          <a:xfrm>
+            <a:off x="208689" y="1855596"/>
+            <a:ext cx="3866923" cy="2445829"/>
+          </a:xfrm>
+          <a:prstGeom prst="rect">
+            <a:avLst/>
+          </a:prstGeom>
+        </p:spPr>
+      </p:pic>
+      <p:sp>
+        <p:nvSpPr>
+          <p:cNvPr id="5" name="TextBox 4">
+            <a:extLst>
+              <a:ext uri="{FF2B5EF4-FFF2-40B4-BE49-F238E27FC236}">
+                <a16:creationId xmlns:a16="http://schemas.microsoft.com/office/drawing/2014/main" id="{453B0FCC-EFDD-4A24-B82B-67A095344A44}"/>
+              </a:ext>
+            </a:extLst>
+          </p:cNvPr>
+          <p:cNvSpPr txBox="1"/>
+          <p:nvPr/>
+        </p:nvSpPr>
+        <p:spPr>
+          <a:xfrm>
+            <a:off x="9353006" y="3037114"/>
+            <a:ext cx="2015295" cy="369332"/>
+          </a:xfrm>
+          <a:prstGeom prst="rect">
+            <a:avLst/>
+          </a:prstGeom>
+          <a:noFill/>
+        </p:spPr>
+        <p:txBody>
+          <a:bodyPr wrap="none" rtlCol="0">
+            <a:spAutoFit/>
+          </a:bodyPr>
+          <a:lstStyle/>
+          <a:p>
+            <a:r>
+              <a:rPr lang="en-US" altLang="ko-KR" dirty="0" err="1"/>
+              <a:t>Sql</a:t>
+            </a:r>
+            <a:r>
+              <a:rPr lang="en-US" altLang="ko-KR" dirty="0"/>
+              <a:t> injection</a:t>
+            </a:r>
+            <a:r>
+              <a:rPr lang="ko-KR" altLang="en-US" dirty="0"/>
+              <a:t> 가능</a:t>
+            </a:r>
+          </a:p>
+        </p:txBody>
+      </p:sp>
+      <p:pic>
+        <p:nvPicPr>
+          <p:cNvPr id="7" name="그림 6">
+            <a:extLst>
+              <a:ext uri="{FF2B5EF4-FFF2-40B4-BE49-F238E27FC236}">
+                <a16:creationId xmlns:a16="http://schemas.microsoft.com/office/drawing/2014/main" id="{C686D8C3-90F4-4B9D-B383-BD376A1EE685}"/>
+              </a:ext>
+            </a:extLst>
+          </p:cNvPr>
+          <p:cNvPicPr>
+            <a:picLocks noChangeAspect="1"/>
+          </p:cNvPicPr>
+          <p:nvPr/>
+        </p:nvPicPr>
+        <p:blipFill>
+          <a:blip r:embed="rId3"/>
+          <a:stretch>
+            <a:fillRect/>
+          </a:stretch>
+        </p:blipFill>
+        <p:spPr>
+          <a:xfrm>
+            <a:off x="5597280" y="1770148"/>
+            <a:ext cx="3087498" cy="2616723"/>
+          </a:xfrm>
+          <a:prstGeom prst="rect">
+            <a:avLst/>
+          </a:prstGeom>
+        </p:spPr>
+      </p:pic>
+      <p:sp>
+        <p:nvSpPr>
+          <p:cNvPr id="8" name="화살표: 오른쪽 7">
+            <a:extLst>
+              <a:ext uri="{FF2B5EF4-FFF2-40B4-BE49-F238E27FC236}">
+                <a16:creationId xmlns:a16="http://schemas.microsoft.com/office/drawing/2014/main" id="{27B07BF7-4B5A-4EFF-8866-B616F3EF4FA0}"/>
+              </a:ext>
+            </a:extLst>
+          </p:cNvPr>
+          <p:cNvSpPr/>
+          <p:nvPr/>
+        </p:nvSpPr>
+        <p:spPr>
+          <a:xfrm>
+            <a:off x="4347242" y="2333897"/>
+            <a:ext cx="978408" cy="484632"/>
+          </a:xfrm>
+          <a:prstGeom prst="rightArrow">
+            <a:avLst/>
+          </a:prstGeom>
+          <a:solidFill>
+            <a:srgbClr val="546286"/>
+          </a:solidFill>
+          <a:ln>
+            <a:solidFill>
+              <a:srgbClr val="546286"/>
+            </a:solidFill>
+          </a:ln>
+        </p:spPr>
+        <p:style>
+          <a:lnRef idx="2">
+            <a:schemeClr val="accent1">
+              <a:shade val="50000"/>
+            </a:schemeClr>
+          </a:lnRef>
+          <a:fillRef idx="1">
+            <a:schemeClr val="accent1"/>
+          </a:fillRef>
+          <a:effectRef idx="0">
+            <a:schemeClr val="accent1"/>
+          </a:effectRef>
+          <a:fontRef idx="minor">
+            <a:schemeClr val="lt1"/>
+          </a:fontRef>
+        </p:style>
+        <p:txBody>
+          <a:bodyPr rtlCol="0" anchor="ctr"/>
+          <a:lstStyle/>
+          <a:p>
+            <a:pPr algn="ctr"/>
+            <a:endParaRPr lang="ko-KR" altLang="en-US"/>
+          </a:p>
+        </p:txBody>
+      </p:sp>
+    </p:spTree>
+    <p:extLst>
+      <p:ext uri="{BB962C8B-B14F-4D97-AF65-F5344CB8AC3E}">
+        <p14:creationId xmlns:p14="http://schemas.microsoft.com/office/powerpoint/2010/main" val="1933394363"/>
+      </p:ext>
+    </p:extLst>
+  </p:cSld>
+  <p:clrMapOvr>
+    <a:masterClrMapping/>
+  </p:clrMapOvr>
+</p:sld>
+</file>
+
 <file path=ppt/theme/theme1.xml><?xml version="1.0" encoding="utf-8"?>
 <a:theme xmlns:a="http://schemas.openxmlformats.org/drawingml/2006/main" name="Office 테마">
   <a:themeElements>
